--- a/add_TMT_intensities_guide.pptx
+++ b/add_TMT_intensities_guide.pptx
@@ -115,6 +115,11 @@
       </a:defRPr>
     </a:lvl9pPr>
   </p:defaultTextStyle>
+  <p:extLst>
+    <p:ext uri="{EFAFB233-063F-42B5-8137-9DF3F51BA10A}">
+      <p15:sldGuideLst xmlns:p15="http://schemas.microsoft.com/office/powerpoint/2012/main"/>
+    </p:ext>
+  </p:extLst>
 </p:presentation>
 </file>
 
@@ -200,7 +205,7 @@
           <a:p>
             <a:fld id="{684E54FB-CD82-7E41-990A-5E5514992130}" type="datetimeFigureOut">
               <a:rPr lang="en-US" smtClean="0"/>
-              <a:t>1/18/19</a:t>
+              <a:t>1/19/19</a:t>
             </a:fld>
             <a:endParaRPr lang="en-US"/>
           </a:p>
@@ -1405,7 +1410,7 @@
           <a:p>
             <a:fld id="{7441BA21-145F-374D-A91F-6945A45C9B15}" type="datetimeFigureOut">
               <a:rPr lang="en-US" smtClean="0"/>
-              <a:t>1/18/19</a:t>
+              <a:t>1/19/19</a:t>
             </a:fld>
             <a:endParaRPr lang="en-US"/>
           </a:p>
@@ -1603,7 +1608,7 @@
           <a:p>
             <a:fld id="{7441BA21-145F-374D-A91F-6945A45C9B15}" type="datetimeFigureOut">
               <a:rPr lang="en-US" smtClean="0"/>
-              <a:t>1/18/19</a:t>
+              <a:t>1/19/19</a:t>
             </a:fld>
             <a:endParaRPr lang="en-US"/>
           </a:p>
@@ -1811,7 +1816,7 @@
           <a:p>
             <a:fld id="{7441BA21-145F-374D-A91F-6945A45C9B15}" type="datetimeFigureOut">
               <a:rPr lang="en-US" smtClean="0"/>
-              <a:t>1/18/19</a:t>
+              <a:t>1/19/19</a:t>
             </a:fld>
             <a:endParaRPr lang="en-US"/>
           </a:p>
@@ -2009,7 +2014,7 @@
           <a:p>
             <a:fld id="{7441BA21-145F-374D-A91F-6945A45C9B15}" type="datetimeFigureOut">
               <a:rPr lang="en-US" smtClean="0"/>
-              <a:t>1/18/19</a:t>
+              <a:t>1/19/19</a:t>
             </a:fld>
             <a:endParaRPr lang="en-US"/>
           </a:p>
@@ -2284,7 +2289,7 @@
           <a:p>
             <a:fld id="{7441BA21-145F-374D-A91F-6945A45C9B15}" type="datetimeFigureOut">
               <a:rPr lang="en-US" smtClean="0"/>
-              <a:t>1/18/19</a:t>
+              <a:t>1/19/19</a:t>
             </a:fld>
             <a:endParaRPr lang="en-US"/>
           </a:p>
@@ -2549,7 +2554,7 @@
           <a:p>
             <a:fld id="{7441BA21-145F-374D-A91F-6945A45C9B15}" type="datetimeFigureOut">
               <a:rPr lang="en-US" smtClean="0"/>
-              <a:t>1/18/19</a:t>
+              <a:t>1/19/19</a:t>
             </a:fld>
             <a:endParaRPr lang="en-US"/>
           </a:p>
@@ -2961,7 +2966,7 @@
           <a:p>
             <a:fld id="{7441BA21-145F-374D-A91F-6945A45C9B15}" type="datetimeFigureOut">
               <a:rPr lang="en-US" smtClean="0"/>
-              <a:t>1/18/19</a:t>
+              <a:t>1/19/19</a:t>
             </a:fld>
             <a:endParaRPr lang="en-US"/>
           </a:p>
@@ -3102,7 +3107,7 @@
           <a:p>
             <a:fld id="{7441BA21-145F-374D-A91F-6945A45C9B15}" type="datetimeFigureOut">
               <a:rPr lang="en-US" smtClean="0"/>
-              <a:t>1/18/19</a:t>
+              <a:t>1/19/19</a:t>
             </a:fld>
             <a:endParaRPr lang="en-US"/>
           </a:p>
@@ -3215,7 +3220,7 @@
           <a:p>
             <a:fld id="{7441BA21-145F-374D-A91F-6945A45C9B15}" type="datetimeFigureOut">
               <a:rPr lang="en-US" smtClean="0"/>
-              <a:t>1/18/19</a:t>
+              <a:t>1/19/19</a:t>
             </a:fld>
             <a:endParaRPr lang="en-US"/>
           </a:p>
@@ -3526,7 +3531,7 @@
           <a:p>
             <a:fld id="{7441BA21-145F-374D-A91F-6945A45C9B15}" type="datetimeFigureOut">
               <a:rPr lang="en-US" smtClean="0"/>
-              <a:t>1/18/19</a:t>
+              <a:t>1/19/19</a:t>
             </a:fld>
             <a:endParaRPr lang="en-US"/>
           </a:p>
@@ -3814,7 +3819,7 @@
           <a:p>
             <a:fld id="{7441BA21-145F-374D-A91F-6945A45C9B15}" type="datetimeFigureOut">
               <a:rPr lang="en-US" smtClean="0"/>
-              <a:t>1/18/19</a:t>
+              <a:t>1/19/19</a:t>
             </a:fld>
             <a:endParaRPr lang="en-US"/>
           </a:p>
@@ -4055,7 +4060,7 @@
           <a:p>
             <a:fld id="{7441BA21-145F-374D-A91F-6945A45C9B15}" type="datetimeFigureOut">
               <a:rPr lang="en-US" smtClean="0"/>
-              <a:t>1/18/19</a:t>
+              <a:t>1/19/19</a:t>
             </a:fld>
             <a:endParaRPr lang="en-US"/>
           </a:p>
@@ -5897,7 +5902,7 @@
         <p:spPr>
           <a:xfrm>
             <a:off x="5511800" y="4343400"/>
-            <a:ext cx="2727991" cy="369332"/>
+            <a:ext cx="3318216" cy="369332"/>
           </a:xfrm>
           <a:prstGeom prst="rect">
             <a:avLst/>
@@ -5916,7 +5921,7 @@
                   <a:srgbClr val="FF0000"/>
                 </a:solidFill>
               </a:rPr>
-              <a:t>Results files after grouping</a:t>
+              <a:t>Results files with TMT intensities</a:t>
             </a:r>
           </a:p>
         </p:txBody>
